--- a/students/photos/photos_cropped.pptx
+++ b/students/photos/photos_cropped.pptx
@@ -3336,10 +3336,10 @@
       </p:grpSpPr>
       <p:pic>
         <p:nvPicPr>
-          <p:cNvPr id="5" name="Picture 4" descr="A person in a white hat and puffy jacket&#10;&#10;AI-generated content may be incorrect.">
-            <a:extLst>
-              <a:ext uri="{FF2B5EF4-FFF2-40B4-BE49-F238E27FC236}">
-                <a16:creationId xmlns:a16="http://schemas.microsoft.com/office/drawing/2014/main" id="{297139DE-BED6-E7D0-527E-A66B09FE52D0}"/>
+          <p:cNvPr id="17" name="Picture 16" descr="A person smiling at the camera&#10;&#10;AI-generated content may be incorrect.">
+            <a:extLst>
+              <a:ext uri="{FF2B5EF4-FFF2-40B4-BE49-F238E27FC236}">
+                <a16:creationId xmlns:a16="http://schemas.microsoft.com/office/drawing/2014/main" id="{F4F67172-80B5-5318-BEC8-53FC84300FC5}"/>
               </a:ext>
             </a:extLst>
           </p:cNvPr>
@@ -3356,13 +3356,13 @@
               </a:ext>
             </a:extLst>
           </a:blip>
-          <a:srcRect l="20705" t="17777" r="13101" b="20223"/>
+          <a:srcRect l="11548" r="3853"/>
           <a:stretch/>
         </p:blipFill>
         <p:spPr>
           <a:xfrm>
-            <a:off x="4075462" y="2161309"/>
-            <a:ext cx="1841468" cy="2299728"/>
+            <a:off x="6635209" y="219524"/>
+            <a:ext cx="1835394" cy="2294244"/>
           </a:xfrm>
           <a:prstGeom prst="rect">
             <a:avLst/>
@@ -3391,19 +3391,219 @@
               </a:ext>
             </a:extLst>
           </a:blip>
-          <a:srcRect l="37882" t="13485" r="41508" b="52982"/>
+          <a:srcRect l="39073" t="14790" r="43154" b="56268"/>
           <a:stretch/>
         </p:blipFill>
         <p:spPr>
           <a:xfrm>
-            <a:off x="6327793" y="2161309"/>
-            <a:ext cx="1841467" cy="2299728"/>
+            <a:off x="4566507" y="221789"/>
+            <a:ext cx="1835394" cy="2294244"/>
           </a:xfrm>
           <a:prstGeom prst="rect">
             <a:avLst/>
           </a:prstGeom>
         </p:spPr>
       </p:pic>
+      <p:pic>
+        <p:nvPicPr>
+          <p:cNvPr id="3" name="Picture 2" descr="A person standing in front of a city&#10;&#10;AI-generated content may be incorrect.">
+            <a:extLst>
+              <a:ext uri="{FF2B5EF4-FFF2-40B4-BE49-F238E27FC236}">
+                <a16:creationId xmlns:a16="http://schemas.microsoft.com/office/drawing/2014/main" id="{3E823A64-F53A-2667-2145-C6D48CDB8972}"/>
+              </a:ext>
+            </a:extLst>
+          </p:cNvPr>
+          <p:cNvPicPr>
+            <a:picLocks noChangeAspect="1"/>
+          </p:cNvPicPr>
+          <p:nvPr/>
+        </p:nvPicPr>
+        <p:blipFill>
+          <a:blip r:embed="rId4">
+            <a:extLst>
+              <a:ext uri="{28A0092B-C50C-407E-A947-70E740481C1C}">
+                <a14:useLocalDpi xmlns:a14="http://schemas.microsoft.com/office/drawing/2010/main" val="0"/>
+              </a:ext>
+            </a:extLst>
+          </a:blip>
+          <a:srcRect l="27161" t="24334" r="31119" b="25337"/>
+          <a:stretch/>
+        </p:blipFill>
+        <p:spPr>
+          <a:xfrm>
+            <a:off x="2497805" y="221789"/>
+            <a:ext cx="1835394" cy="2294244"/>
+          </a:xfrm>
+          <a:prstGeom prst="rect">
+            <a:avLst/>
+          </a:prstGeom>
+        </p:spPr>
+      </p:pic>
+      <p:grpSp>
+        <p:nvGrpSpPr>
+          <p:cNvPr id="15" name="Group 14">
+            <a:extLst>
+              <a:ext uri="{FF2B5EF4-FFF2-40B4-BE49-F238E27FC236}">
+                <a16:creationId xmlns:a16="http://schemas.microsoft.com/office/drawing/2014/main" id="{1D4782F8-E5A9-B91F-F6E3-547FD2CDD910}"/>
+              </a:ext>
+            </a:extLst>
+          </p:cNvPr>
+          <p:cNvGrpSpPr/>
+          <p:nvPr/>
+        </p:nvGrpSpPr>
+        <p:grpSpPr>
+          <a:xfrm>
+            <a:off x="226736" y="221789"/>
+            <a:ext cx="1835395" cy="2294244"/>
+            <a:chOff x="1835182" y="1124192"/>
+            <a:chExt cx="5486400" cy="6858000"/>
+          </a:xfrm>
+        </p:grpSpPr>
+        <p:sp>
+          <p:nvSpPr>
+            <p:cNvPr id="4" name="Rectangle 3">
+              <a:extLst>
+                <a:ext uri="{FF2B5EF4-FFF2-40B4-BE49-F238E27FC236}">
+                  <a16:creationId xmlns:a16="http://schemas.microsoft.com/office/drawing/2014/main" id="{FCEBD34F-F2A3-2833-210C-155C471C09C8}"/>
+                </a:ext>
+              </a:extLst>
+            </p:cNvPr>
+            <p:cNvSpPr/>
+            <p:nvPr/>
+          </p:nvSpPr>
+          <p:spPr>
+            <a:xfrm>
+              <a:off x="1835182" y="1124192"/>
+              <a:ext cx="5486400" cy="6858000"/>
+            </a:xfrm>
+            <a:prstGeom prst="rect">
+              <a:avLst/>
+            </a:prstGeom>
+            <a:noFill/>
+            <a:ln w="12700"/>
+          </p:spPr>
+          <p:style>
+            <a:lnRef idx="2">
+              <a:schemeClr val="accent1">
+                <a:shade val="15000"/>
+              </a:schemeClr>
+            </a:lnRef>
+            <a:fillRef idx="1">
+              <a:schemeClr val="accent1"/>
+            </a:fillRef>
+            <a:effectRef idx="0">
+              <a:schemeClr val="accent1"/>
+            </a:effectRef>
+            <a:fontRef idx="minor">
+              <a:schemeClr val="lt1"/>
+            </a:fontRef>
+          </p:style>
+          <p:txBody>
+            <a:bodyPr rtlCol="0" anchor="ctr"/>
+            <a:lstStyle/>
+            <a:p>
+              <a:pPr algn="ctr"/>
+              <a:endParaRPr lang="en-US"/>
+            </a:p>
+          </p:txBody>
+        </p:sp>
+        <p:sp>
+          <p:nvSpPr>
+            <p:cNvPr id="12" name="Rectangle 11">
+              <a:extLst>
+                <a:ext uri="{FF2B5EF4-FFF2-40B4-BE49-F238E27FC236}">
+                  <a16:creationId xmlns:a16="http://schemas.microsoft.com/office/drawing/2014/main" id="{0B39A2A3-C530-8499-E708-7FD09A63F5C5}"/>
+                </a:ext>
+              </a:extLst>
+            </p:cNvPr>
+            <p:cNvSpPr/>
+            <p:nvPr/>
+          </p:nvSpPr>
+          <p:spPr>
+            <a:xfrm>
+              <a:off x="1835182" y="3410192"/>
+              <a:ext cx="5486400" cy="2286000"/>
+            </a:xfrm>
+            <a:prstGeom prst="rect">
+              <a:avLst/>
+            </a:prstGeom>
+            <a:noFill/>
+            <a:ln w="12700"/>
+          </p:spPr>
+          <p:style>
+            <a:lnRef idx="2">
+              <a:schemeClr val="accent1">
+                <a:shade val="15000"/>
+              </a:schemeClr>
+            </a:lnRef>
+            <a:fillRef idx="1">
+              <a:schemeClr val="accent1"/>
+            </a:fillRef>
+            <a:effectRef idx="0">
+              <a:schemeClr val="accent1"/>
+            </a:effectRef>
+            <a:fontRef idx="minor">
+              <a:schemeClr val="lt1"/>
+            </a:fontRef>
+          </p:style>
+          <p:txBody>
+            <a:bodyPr rtlCol="0" anchor="ctr"/>
+            <a:lstStyle/>
+            <a:p>
+              <a:pPr algn="ctr"/>
+              <a:endParaRPr lang="en-US"/>
+            </a:p>
+          </p:txBody>
+        </p:sp>
+        <p:sp>
+          <p:nvSpPr>
+            <p:cNvPr id="13" name="Rectangle 12">
+              <a:extLst>
+                <a:ext uri="{FF2B5EF4-FFF2-40B4-BE49-F238E27FC236}">
+                  <a16:creationId xmlns:a16="http://schemas.microsoft.com/office/drawing/2014/main" id="{3DE02949-C553-F433-4790-CEF991441E0C}"/>
+                </a:ext>
+              </a:extLst>
+            </p:cNvPr>
+            <p:cNvSpPr/>
+            <p:nvPr/>
+          </p:nvSpPr>
+          <p:spPr>
+            <a:xfrm>
+              <a:off x="3663982" y="1124192"/>
+              <a:ext cx="1828800" cy="6858000"/>
+            </a:xfrm>
+            <a:prstGeom prst="rect">
+              <a:avLst/>
+            </a:prstGeom>
+            <a:noFill/>
+            <a:ln w="12700"/>
+          </p:spPr>
+          <p:style>
+            <a:lnRef idx="2">
+              <a:schemeClr val="accent1">
+                <a:shade val="15000"/>
+              </a:schemeClr>
+            </a:lnRef>
+            <a:fillRef idx="1">
+              <a:schemeClr val="accent1"/>
+            </a:fillRef>
+            <a:effectRef idx="0">
+              <a:schemeClr val="accent1"/>
+            </a:effectRef>
+            <a:fontRef idx="minor">
+              <a:schemeClr val="lt1"/>
+            </a:fontRef>
+          </p:style>
+          <p:txBody>
+            <a:bodyPr rtlCol="0" anchor="ctr"/>
+            <a:lstStyle/>
+            <a:p>
+              <a:pPr algn="ctr"/>
+              <a:endParaRPr lang="en-US"/>
+            </a:p>
+          </p:txBody>
+        </p:sp>
+      </p:grpSp>
     </p:spTree>
     <p:extLst>
       <p:ext uri="{BB962C8B-B14F-4D97-AF65-F5344CB8AC3E}">
@@ -3733,23 +3933,6 @@
 </file>
 
 <file path=customXml/item1.xml><?xml version="1.0" encoding="utf-8"?>
-<p:properties xmlns:p="http://schemas.microsoft.com/office/2006/metadata/properties" xmlns:xsi="http://www.w3.org/2001/XMLSchema-instance" xmlns:pc="http://schemas.microsoft.com/office/infopath/2007/PartnerControls">
-  <documentManagement>
-    <_activity xmlns="164a341b-6725-4b07-a6cd-9fe6e9ab5b42" xsi:nil="true"/>
-  </documentManagement>
-</p:properties>
-</file>
-
-<file path=customXml/item2.xml><?xml version="1.0" encoding="utf-8"?>
-<?mso-contentType ?>
-<FormTemplates xmlns="http://schemas.microsoft.com/sharepoint/v3/contenttype/forms">
-  <Display>DocumentLibraryForm</Display>
-  <Edit>DocumentLibraryForm</Edit>
-  <New>DocumentLibraryForm</New>
-</FormTemplates>
-</file>
-
-<file path=customXml/item3.xml><?xml version="1.0" encoding="utf-8"?>
 <ct:contentTypeSchema xmlns:ct="http://schemas.microsoft.com/office/2006/metadata/contentType" xmlns:ma="http://schemas.microsoft.com/office/2006/metadata/properties/metaAttributes" ct:_="" ma:_="" ma:contentTypeName="Document" ma:contentTypeID="0x0101005734AFEDFB78FE468D4FAC8F2B57CE82" ma:contentTypeVersion="16" ma:contentTypeDescription="Create a new document." ma:contentTypeScope="" ma:versionID="0882b9c2cdd45cfde3d1242676b377ca">
   <xsd:schema xmlns:xsd="http://www.w3.org/2001/XMLSchema" xmlns:xs="http://www.w3.org/2001/XMLSchema" xmlns:p="http://schemas.microsoft.com/office/2006/metadata/properties" xmlns:ns3="8b12d126-63ce-4724-8c77-27b1e80585d4" xmlns:ns4="164a341b-6725-4b07-a6cd-9fe6e9ab5b42" targetNamespace="http://schemas.microsoft.com/office/2006/metadata/properties" ma:root="true" ma:fieldsID="45302008ef36b0ca110dbb940ad0e969" ns3:_="" ns4:_="">
     <xsd:import namespace="8b12d126-63ce-4724-8c77-27b1e80585d4"/>
@@ -3988,32 +4171,24 @@
 </ct:contentTypeSchema>
 </file>
 
-<file path=customXml/itemProps1.xml><?xml version="1.0" encoding="utf-8"?>
-<ds:datastoreItem xmlns:ds="http://schemas.openxmlformats.org/officeDocument/2006/customXml" ds:itemID="{2FC875C6-2222-466F-B33D-16026999EB3A}">
-  <ds:schemaRefs>
-    <ds:schemaRef ds:uri="http://purl.org/dc/dcmitype/"/>
-    <ds:schemaRef ds:uri="http://schemas.microsoft.com/office/2006/metadata/properties"/>
-    <ds:schemaRef ds:uri="http://schemas.microsoft.com/office/2006/documentManagement/types"/>
-    <ds:schemaRef ds:uri="8b12d126-63ce-4724-8c77-27b1e80585d4"/>
-    <ds:schemaRef ds:uri="http://schemas.microsoft.com/office/infopath/2007/PartnerControls"/>
-    <ds:schemaRef ds:uri="164a341b-6725-4b07-a6cd-9fe6e9ab5b42"/>
-    <ds:schemaRef ds:uri="http://schemas.openxmlformats.org/package/2006/metadata/core-properties"/>
-    <ds:schemaRef ds:uri="http://www.w3.org/XML/1998/namespace"/>
-    <ds:schemaRef ds:uri="http://purl.org/dc/terms/"/>
-    <ds:schemaRef ds:uri="http://purl.org/dc/elements/1.1/"/>
-  </ds:schemaRefs>
-</ds:datastoreItem>
+<file path=customXml/item2.xml><?xml version="1.0" encoding="utf-8"?>
+<?mso-contentType ?>
+<FormTemplates xmlns="http://schemas.microsoft.com/sharepoint/v3/contenttype/forms">
+  <Display>DocumentLibraryForm</Display>
+  <Edit>DocumentLibraryForm</Edit>
+  <New>DocumentLibraryForm</New>
+</FormTemplates>
 </file>
 
-<file path=customXml/itemProps2.xml><?xml version="1.0" encoding="utf-8"?>
-<ds:datastoreItem xmlns:ds="http://schemas.openxmlformats.org/officeDocument/2006/customXml" ds:itemID="{E5AB4D09-E20E-465C-B664-11F30F862AF9}">
-  <ds:schemaRefs>
-    <ds:schemaRef ds:uri="http://schemas.microsoft.com/sharepoint/v3/contenttype/forms"/>
-  </ds:schemaRefs>
-</ds:datastoreItem>
+<file path=customXml/item3.xml><?xml version="1.0" encoding="utf-8"?>
+<p:properties xmlns:p="http://schemas.microsoft.com/office/2006/metadata/properties" xmlns:xsi="http://www.w3.org/2001/XMLSchema-instance" xmlns:pc="http://schemas.microsoft.com/office/infopath/2007/PartnerControls">
+  <documentManagement>
+    <_activity xmlns="164a341b-6725-4b07-a6cd-9fe6e9ab5b42" xsi:nil="true"/>
+  </documentManagement>
+</p:properties>
 </file>
 
-<file path=customXml/itemProps3.xml><?xml version="1.0" encoding="utf-8"?>
+<file path=customXml/itemProps1.xml><?xml version="1.0" encoding="utf-8"?>
 <ds:datastoreItem xmlns:ds="http://schemas.openxmlformats.org/officeDocument/2006/customXml" ds:itemID="{55DFAFA0-C89C-4CC9-A94A-57A42FDA5651}">
   <ds:schemaRefs>
     <ds:schemaRef ds:uri="http://schemas.microsoft.com/office/2006/metadata/contentType"/>
@@ -4032,6 +4207,31 @@
 </ds:datastoreItem>
 </file>
 
+<file path=customXml/itemProps2.xml><?xml version="1.0" encoding="utf-8"?>
+<ds:datastoreItem xmlns:ds="http://schemas.openxmlformats.org/officeDocument/2006/customXml" ds:itemID="{E5AB4D09-E20E-465C-B664-11F30F862AF9}">
+  <ds:schemaRefs>
+    <ds:schemaRef ds:uri="http://schemas.microsoft.com/sharepoint/v3/contenttype/forms"/>
+  </ds:schemaRefs>
+</ds:datastoreItem>
+</file>
+
+<file path=customXml/itemProps3.xml><?xml version="1.0" encoding="utf-8"?>
+<ds:datastoreItem xmlns:ds="http://schemas.openxmlformats.org/officeDocument/2006/customXml" ds:itemID="{2FC875C6-2222-466F-B33D-16026999EB3A}">
+  <ds:schemaRefs>
+    <ds:schemaRef ds:uri="http://purl.org/dc/dcmitype/"/>
+    <ds:schemaRef ds:uri="http://schemas.microsoft.com/office/2006/metadata/properties"/>
+    <ds:schemaRef ds:uri="http://schemas.microsoft.com/office/2006/documentManagement/types"/>
+    <ds:schemaRef ds:uri="8b12d126-63ce-4724-8c77-27b1e80585d4"/>
+    <ds:schemaRef ds:uri="http://schemas.microsoft.com/office/infopath/2007/PartnerControls"/>
+    <ds:schemaRef ds:uri="164a341b-6725-4b07-a6cd-9fe6e9ab5b42"/>
+    <ds:schemaRef ds:uri="http://schemas.openxmlformats.org/package/2006/metadata/core-properties"/>
+    <ds:schemaRef ds:uri="http://www.w3.org/XML/1998/namespace"/>
+    <ds:schemaRef ds:uri="http://purl.org/dc/terms/"/>
+    <ds:schemaRef ds:uri="http://purl.org/dc/elements/1.1/"/>
+  </ds:schemaRefs>
+</ds:datastoreItem>
+</file>
+
 <file path=docMetadata/LabelInfo.xml><?xml version="1.0" encoding="utf-8"?>
 <clbl:labelList xmlns:clbl="http://schemas.microsoft.com/office/2020/mipLabelMetadata">
   <clbl:label id="{43083d15-7273-40c1-b7db-39efd9ccc17a}" enabled="0" method="" siteId="{43083d15-7273-40c1-b7db-39efd9ccc17a}" removed="1"/>

--- a/students/photos/photos_cropped.pptx
+++ b/students/photos/photos_cropped.pptx
@@ -3336,10 +3336,10 @@
       </p:grpSpPr>
       <p:pic>
         <p:nvPicPr>
-          <p:cNvPr id="17" name="Picture 16" descr="A person smiling at the camera&#10;&#10;AI-generated content may be incorrect.">
-            <a:extLst>
-              <a:ext uri="{FF2B5EF4-FFF2-40B4-BE49-F238E27FC236}">
-                <a16:creationId xmlns:a16="http://schemas.microsoft.com/office/drawing/2014/main" id="{F4F67172-80B5-5318-BEC8-53FC84300FC5}"/>
+          <p:cNvPr id="5" name="Picture 4" descr="A person standing in front of a tree&#10;&#10;AI-generated content may be incorrect.">
+            <a:extLst>
+              <a:ext uri="{FF2B5EF4-FFF2-40B4-BE49-F238E27FC236}">
+                <a16:creationId xmlns:a16="http://schemas.microsoft.com/office/drawing/2014/main" id="{C220EDE2-478D-37E5-D5D0-8339B59DDFB1}"/>
               </a:ext>
             </a:extLst>
           </p:cNvPr>
@@ -3350,6 +3350,41 @@
         </p:nvPicPr>
         <p:blipFill>
           <a:blip r:embed="rId2">
+            <a:extLst>
+              <a:ext uri="{28A0092B-C50C-407E-A947-70E740481C1C}">
+                <a14:useLocalDpi xmlns:a14="http://schemas.microsoft.com/office/drawing/2010/main" val="0"/>
+              </a:ext>
+            </a:extLst>
+          </a:blip>
+          <a:srcRect l="19565" t="22004" r="19565" b="5712"/>
+          <a:stretch/>
+        </p:blipFill>
+        <p:spPr>
+          <a:xfrm>
+            <a:off x="8703911" y="219524"/>
+            <a:ext cx="1835394" cy="2294244"/>
+          </a:xfrm>
+          <a:prstGeom prst="rect">
+            <a:avLst/>
+          </a:prstGeom>
+        </p:spPr>
+      </p:pic>
+      <p:pic>
+        <p:nvPicPr>
+          <p:cNvPr id="17" name="Picture 16" descr="A person smiling at the camera&#10;&#10;AI-generated content may be incorrect.">
+            <a:extLst>
+              <a:ext uri="{FF2B5EF4-FFF2-40B4-BE49-F238E27FC236}">
+                <a16:creationId xmlns:a16="http://schemas.microsoft.com/office/drawing/2014/main" id="{F4F67172-80B5-5318-BEC8-53FC84300FC5}"/>
+              </a:ext>
+            </a:extLst>
+          </p:cNvPr>
+          <p:cNvPicPr>
+            <a:picLocks noChangeAspect="1"/>
+          </p:cNvPicPr>
+          <p:nvPr/>
+        </p:nvPicPr>
+        <p:blipFill>
+          <a:blip r:embed="rId3">
             <a:extLst>
               <a:ext uri="{28A0092B-C50C-407E-A947-70E740481C1C}">
                 <a14:useLocalDpi xmlns:a14="http://schemas.microsoft.com/office/drawing/2010/main" val="0"/>
@@ -3384,7 +3419,7 @@
           <p:nvPr/>
         </p:nvPicPr>
         <p:blipFill>
-          <a:blip r:embed="rId3">
+          <a:blip r:embed="rId4">
             <a:extLst>
               <a:ext uri="{28A0092B-C50C-407E-A947-70E740481C1C}">
                 <a14:useLocalDpi xmlns:a14="http://schemas.microsoft.com/office/drawing/2010/main" val="0"/>
@@ -3419,7 +3454,7 @@
           <p:nvPr/>
         </p:nvPicPr>
         <p:blipFill>
-          <a:blip r:embed="rId4">
+          <a:blip r:embed="rId5">
             <a:extLst>
               <a:ext uri="{28A0092B-C50C-407E-A947-70E740481C1C}">
                 <a14:useLocalDpi xmlns:a14="http://schemas.microsoft.com/office/drawing/2010/main" val="0"/>
@@ -3933,6 +3968,23 @@
 </file>
 
 <file path=customXml/item1.xml><?xml version="1.0" encoding="utf-8"?>
+<p:properties xmlns:p="http://schemas.microsoft.com/office/2006/metadata/properties" xmlns:xsi="http://www.w3.org/2001/XMLSchema-instance" xmlns:pc="http://schemas.microsoft.com/office/infopath/2007/PartnerControls">
+  <documentManagement>
+    <_activity xmlns="164a341b-6725-4b07-a6cd-9fe6e9ab5b42" xsi:nil="true"/>
+  </documentManagement>
+</p:properties>
+</file>
+
+<file path=customXml/item2.xml><?xml version="1.0" encoding="utf-8"?>
+<?mso-contentType ?>
+<FormTemplates xmlns="http://schemas.microsoft.com/sharepoint/v3/contenttype/forms">
+  <Display>DocumentLibraryForm</Display>
+  <Edit>DocumentLibraryForm</Edit>
+  <New>DocumentLibraryForm</New>
+</FormTemplates>
+</file>
+
+<file path=customXml/item3.xml><?xml version="1.0" encoding="utf-8"?>
 <ct:contentTypeSchema xmlns:ct="http://schemas.microsoft.com/office/2006/metadata/contentType" xmlns:ma="http://schemas.microsoft.com/office/2006/metadata/properties/metaAttributes" ct:_="" ma:_="" ma:contentTypeName="Document" ma:contentTypeID="0x0101005734AFEDFB78FE468D4FAC8F2B57CE82" ma:contentTypeVersion="16" ma:contentTypeDescription="Create a new document." ma:contentTypeScope="" ma:versionID="0882b9c2cdd45cfde3d1242676b377ca">
   <xsd:schema xmlns:xsd="http://www.w3.org/2001/XMLSchema" xmlns:xs="http://www.w3.org/2001/XMLSchema" xmlns:p="http://schemas.microsoft.com/office/2006/metadata/properties" xmlns:ns3="8b12d126-63ce-4724-8c77-27b1e80585d4" xmlns:ns4="164a341b-6725-4b07-a6cd-9fe6e9ab5b42" targetNamespace="http://schemas.microsoft.com/office/2006/metadata/properties" ma:root="true" ma:fieldsID="45302008ef36b0ca110dbb940ad0e969" ns3:_="" ns4:_="">
     <xsd:import namespace="8b12d126-63ce-4724-8c77-27b1e80585d4"/>
@@ -4171,24 +4223,32 @@
 </ct:contentTypeSchema>
 </file>
 
-<file path=customXml/item2.xml><?xml version="1.0" encoding="utf-8"?>
-<?mso-contentType ?>
-<FormTemplates xmlns="http://schemas.microsoft.com/sharepoint/v3/contenttype/forms">
-  <Display>DocumentLibraryForm</Display>
-  <Edit>DocumentLibraryForm</Edit>
-  <New>DocumentLibraryForm</New>
-</FormTemplates>
+<file path=customXml/itemProps1.xml><?xml version="1.0" encoding="utf-8"?>
+<ds:datastoreItem xmlns:ds="http://schemas.openxmlformats.org/officeDocument/2006/customXml" ds:itemID="{2FC875C6-2222-466F-B33D-16026999EB3A}">
+  <ds:schemaRefs>
+    <ds:schemaRef ds:uri="http://purl.org/dc/dcmitype/"/>
+    <ds:schemaRef ds:uri="http://schemas.microsoft.com/office/2006/metadata/properties"/>
+    <ds:schemaRef ds:uri="http://schemas.microsoft.com/office/2006/documentManagement/types"/>
+    <ds:schemaRef ds:uri="8b12d126-63ce-4724-8c77-27b1e80585d4"/>
+    <ds:schemaRef ds:uri="http://schemas.microsoft.com/office/infopath/2007/PartnerControls"/>
+    <ds:schemaRef ds:uri="164a341b-6725-4b07-a6cd-9fe6e9ab5b42"/>
+    <ds:schemaRef ds:uri="http://schemas.openxmlformats.org/package/2006/metadata/core-properties"/>
+    <ds:schemaRef ds:uri="http://www.w3.org/XML/1998/namespace"/>
+    <ds:schemaRef ds:uri="http://purl.org/dc/terms/"/>
+    <ds:schemaRef ds:uri="http://purl.org/dc/elements/1.1/"/>
+  </ds:schemaRefs>
+</ds:datastoreItem>
 </file>
 
-<file path=customXml/item3.xml><?xml version="1.0" encoding="utf-8"?>
-<p:properties xmlns:p="http://schemas.microsoft.com/office/2006/metadata/properties" xmlns:xsi="http://www.w3.org/2001/XMLSchema-instance" xmlns:pc="http://schemas.microsoft.com/office/infopath/2007/PartnerControls">
-  <documentManagement>
-    <_activity xmlns="164a341b-6725-4b07-a6cd-9fe6e9ab5b42" xsi:nil="true"/>
-  </documentManagement>
-</p:properties>
+<file path=customXml/itemProps2.xml><?xml version="1.0" encoding="utf-8"?>
+<ds:datastoreItem xmlns:ds="http://schemas.openxmlformats.org/officeDocument/2006/customXml" ds:itemID="{E5AB4D09-E20E-465C-B664-11F30F862AF9}">
+  <ds:schemaRefs>
+    <ds:schemaRef ds:uri="http://schemas.microsoft.com/sharepoint/v3/contenttype/forms"/>
+  </ds:schemaRefs>
+</ds:datastoreItem>
 </file>
 
-<file path=customXml/itemProps1.xml><?xml version="1.0" encoding="utf-8"?>
+<file path=customXml/itemProps3.xml><?xml version="1.0" encoding="utf-8"?>
 <ds:datastoreItem xmlns:ds="http://schemas.openxmlformats.org/officeDocument/2006/customXml" ds:itemID="{55DFAFA0-C89C-4CC9-A94A-57A42FDA5651}">
   <ds:schemaRefs>
     <ds:schemaRef ds:uri="http://schemas.microsoft.com/office/2006/metadata/contentType"/>
@@ -4207,31 +4267,6 @@
 </ds:datastoreItem>
 </file>
 
-<file path=customXml/itemProps2.xml><?xml version="1.0" encoding="utf-8"?>
-<ds:datastoreItem xmlns:ds="http://schemas.openxmlformats.org/officeDocument/2006/customXml" ds:itemID="{E5AB4D09-E20E-465C-B664-11F30F862AF9}">
-  <ds:schemaRefs>
-    <ds:schemaRef ds:uri="http://schemas.microsoft.com/sharepoint/v3/contenttype/forms"/>
-  </ds:schemaRefs>
-</ds:datastoreItem>
-</file>
-
-<file path=customXml/itemProps3.xml><?xml version="1.0" encoding="utf-8"?>
-<ds:datastoreItem xmlns:ds="http://schemas.openxmlformats.org/officeDocument/2006/customXml" ds:itemID="{2FC875C6-2222-466F-B33D-16026999EB3A}">
-  <ds:schemaRefs>
-    <ds:schemaRef ds:uri="http://purl.org/dc/dcmitype/"/>
-    <ds:schemaRef ds:uri="http://schemas.microsoft.com/office/2006/metadata/properties"/>
-    <ds:schemaRef ds:uri="http://schemas.microsoft.com/office/2006/documentManagement/types"/>
-    <ds:schemaRef ds:uri="8b12d126-63ce-4724-8c77-27b1e80585d4"/>
-    <ds:schemaRef ds:uri="http://schemas.microsoft.com/office/infopath/2007/PartnerControls"/>
-    <ds:schemaRef ds:uri="164a341b-6725-4b07-a6cd-9fe6e9ab5b42"/>
-    <ds:schemaRef ds:uri="http://schemas.openxmlformats.org/package/2006/metadata/core-properties"/>
-    <ds:schemaRef ds:uri="http://www.w3.org/XML/1998/namespace"/>
-    <ds:schemaRef ds:uri="http://purl.org/dc/terms/"/>
-    <ds:schemaRef ds:uri="http://purl.org/dc/elements/1.1/"/>
-  </ds:schemaRefs>
-</ds:datastoreItem>
-</file>
-
 <file path=docMetadata/LabelInfo.xml><?xml version="1.0" encoding="utf-8"?>
 <clbl:labelList xmlns:clbl="http://schemas.microsoft.com/office/2020/mipLabelMetadata">
   <clbl:label id="{43083d15-7273-40c1-b7db-39efd9ccc17a}" enabled="0" method="" siteId="{43083d15-7273-40c1-b7db-39efd9ccc17a}" removed="1"/>

--- a/students/photos/photos_cropped.pptx
+++ b/students/photos/photos_cropped.pptx
@@ -267,7 +267,7 @@
           <a:p>
             <a:fld id="{CDF2D356-B53D-49D9-A265-843CF836C022}" type="datetimeFigureOut">
               <a:rPr lang="en-US" smtClean="0"/>
-              <a:t>2/17/2025</a:t>
+              <a:t>2/18/2025</a:t>
             </a:fld>
             <a:endParaRPr lang="en-US"/>
           </a:p>
@@ -465,7 +465,7 @@
           <a:p>
             <a:fld id="{CDF2D356-B53D-49D9-A265-843CF836C022}" type="datetimeFigureOut">
               <a:rPr lang="en-US" smtClean="0"/>
-              <a:t>2/17/2025</a:t>
+              <a:t>2/18/2025</a:t>
             </a:fld>
             <a:endParaRPr lang="en-US"/>
           </a:p>
@@ -673,7 +673,7 @@
           <a:p>
             <a:fld id="{CDF2D356-B53D-49D9-A265-843CF836C022}" type="datetimeFigureOut">
               <a:rPr lang="en-US" smtClean="0"/>
-              <a:t>2/17/2025</a:t>
+              <a:t>2/18/2025</a:t>
             </a:fld>
             <a:endParaRPr lang="en-US"/>
           </a:p>
@@ -871,7 +871,7 @@
           <a:p>
             <a:fld id="{CDF2D356-B53D-49D9-A265-843CF836C022}" type="datetimeFigureOut">
               <a:rPr lang="en-US" smtClean="0"/>
-              <a:t>2/17/2025</a:t>
+              <a:t>2/18/2025</a:t>
             </a:fld>
             <a:endParaRPr lang="en-US"/>
           </a:p>
@@ -1146,7 +1146,7 @@
           <a:p>
             <a:fld id="{CDF2D356-B53D-49D9-A265-843CF836C022}" type="datetimeFigureOut">
               <a:rPr lang="en-US" smtClean="0"/>
-              <a:t>2/17/2025</a:t>
+              <a:t>2/18/2025</a:t>
             </a:fld>
             <a:endParaRPr lang="en-US"/>
           </a:p>
@@ -1411,7 +1411,7 @@
           <a:p>
             <a:fld id="{CDF2D356-B53D-49D9-A265-843CF836C022}" type="datetimeFigureOut">
               <a:rPr lang="en-US" smtClean="0"/>
-              <a:t>2/17/2025</a:t>
+              <a:t>2/18/2025</a:t>
             </a:fld>
             <a:endParaRPr lang="en-US"/>
           </a:p>
@@ -1823,7 +1823,7 @@
           <a:p>
             <a:fld id="{CDF2D356-B53D-49D9-A265-843CF836C022}" type="datetimeFigureOut">
               <a:rPr lang="en-US" smtClean="0"/>
-              <a:t>2/17/2025</a:t>
+              <a:t>2/18/2025</a:t>
             </a:fld>
             <a:endParaRPr lang="en-US"/>
           </a:p>
@@ -1964,7 +1964,7 @@
           <a:p>
             <a:fld id="{CDF2D356-B53D-49D9-A265-843CF836C022}" type="datetimeFigureOut">
               <a:rPr lang="en-US" smtClean="0"/>
-              <a:t>2/17/2025</a:t>
+              <a:t>2/18/2025</a:t>
             </a:fld>
             <a:endParaRPr lang="en-US"/>
           </a:p>
@@ -2077,7 +2077,7 @@
           <a:p>
             <a:fld id="{CDF2D356-B53D-49D9-A265-843CF836C022}" type="datetimeFigureOut">
               <a:rPr lang="en-US" smtClean="0"/>
-              <a:t>2/17/2025</a:t>
+              <a:t>2/18/2025</a:t>
             </a:fld>
             <a:endParaRPr lang="en-US"/>
           </a:p>
@@ -2388,7 +2388,7 @@
           <a:p>
             <a:fld id="{CDF2D356-B53D-49D9-A265-843CF836C022}" type="datetimeFigureOut">
               <a:rPr lang="en-US" smtClean="0"/>
-              <a:t>2/17/2025</a:t>
+              <a:t>2/18/2025</a:t>
             </a:fld>
             <a:endParaRPr lang="en-US"/>
           </a:p>
@@ -2676,7 +2676,7 @@
           <a:p>
             <a:fld id="{CDF2D356-B53D-49D9-A265-843CF836C022}" type="datetimeFigureOut">
               <a:rPr lang="en-US" smtClean="0"/>
-              <a:t>2/17/2025</a:t>
+              <a:t>2/18/2025</a:t>
             </a:fld>
             <a:endParaRPr lang="en-US"/>
           </a:p>
@@ -2917,7 +2917,7 @@
           <a:p>
             <a:fld id="{CDF2D356-B53D-49D9-A265-843CF836C022}" type="datetimeFigureOut">
               <a:rPr lang="en-US" smtClean="0"/>
-              <a:t>2/17/2025</a:t>
+              <a:t>2/18/2025</a:t>
             </a:fld>
             <a:endParaRPr lang="en-US"/>
           </a:p>
@@ -3336,10 +3336,10 @@
       </p:grpSpPr>
       <p:pic>
         <p:nvPicPr>
-          <p:cNvPr id="5" name="Picture 4" descr="A person standing in front of a tree&#10;&#10;AI-generated content may be incorrect.">
-            <a:extLst>
-              <a:ext uri="{FF2B5EF4-FFF2-40B4-BE49-F238E27FC236}">
-                <a16:creationId xmlns:a16="http://schemas.microsoft.com/office/drawing/2014/main" id="{C220EDE2-478D-37E5-D5D0-8339B59DDFB1}"/>
+          <p:cNvPr id="9" name="Picture 8" descr="A person smiling for the camera&#10;&#10;AI-generated content may be incorrect.">
+            <a:extLst>
+              <a:ext uri="{FF2B5EF4-FFF2-40B4-BE49-F238E27FC236}">
+                <a16:creationId xmlns:a16="http://schemas.microsoft.com/office/drawing/2014/main" id="{4061E6E6-0C75-FD18-73D3-21F306B9F2DB}"/>
               </a:ext>
             </a:extLst>
           </p:cNvPr>
@@ -3350,6 +3350,76 @@
         </p:nvPicPr>
         <p:blipFill>
           <a:blip r:embed="rId2">
+            <a:extLst>
+              <a:ext uri="{28A0092B-C50C-407E-A947-70E740481C1C}">
+                <a14:useLocalDpi xmlns:a14="http://schemas.microsoft.com/office/drawing/2010/main" val="0"/>
+              </a:ext>
+            </a:extLst>
+          </a:blip>
+          <a:srcRect l="7877" r="12123"/>
+          <a:stretch/>
+        </p:blipFill>
+        <p:spPr>
+          <a:xfrm>
+            <a:off x="2497805" y="2799437"/>
+            <a:ext cx="1835394" cy="2294244"/>
+          </a:xfrm>
+          <a:prstGeom prst="rect">
+            <a:avLst/>
+          </a:prstGeom>
+        </p:spPr>
+      </p:pic>
+      <p:pic>
+        <p:nvPicPr>
+          <p:cNvPr id="6" name="Picture 5" descr="A person wearing glasses and headphones&#10;&#10;AI-generated content may be incorrect.">
+            <a:extLst>
+              <a:ext uri="{FF2B5EF4-FFF2-40B4-BE49-F238E27FC236}">
+                <a16:creationId xmlns:a16="http://schemas.microsoft.com/office/drawing/2014/main" id="{A4D73A7F-A256-21C7-8818-ADF66A0AA221}"/>
+              </a:ext>
+            </a:extLst>
+          </p:cNvPr>
+          <p:cNvPicPr>
+            <a:picLocks noChangeAspect="1"/>
+          </p:cNvPicPr>
+          <p:nvPr/>
+        </p:nvPicPr>
+        <p:blipFill>
+          <a:blip r:embed="rId3">
+            <a:extLst>
+              <a:ext uri="{28A0092B-C50C-407E-A947-70E740481C1C}">
+                <a14:useLocalDpi xmlns:a14="http://schemas.microsoft.com/office/drawing/2010/main" val="0"/>
+              </a:ext>
+            </a:extLst>
+          </a:blip>
+          <a:srcRect l="270" t="1294" b="5210"/>
+          <a:stretch/>
+        </p:blipFill>
+        <p:spPr>
+          <a:xfrm>
+            <a:off x="4566506" y="219524"/>
+            <a:ext cx="1835395" cy="2294244"/>
+          </a:xfrm>
+          <a:prstGeom prst="rect">
+            <a:avLst/>
+          </a:prstGeom>
+        </p:spPr>
+      </p:pic>
+      <p:pic>
+        <p:nvPicPr>
+          <p:cNvPr id="5" name="Picture 4" descr="A person standing in front of a tree&#10;&#10;AI-generated content may be incorrect.">
+            <a:extLst>
+              <a:ext uri="{FF2B5EF4-FFF2-40B4-BE49-F238E27FC236}">
+                <a16:creationId xmlns:a16="http://schemas.microsoft.com/office/drawing/2014/main" id="{C220EDE2-478D-37E5-D5D0-8339B59DDFB1}"/>
+              </a:ext>
+            </a:extLst>
+          </p:cNvPr>
+          <p:cNvPicPr>
+            <a:picLocks noChangeAspect="1"/>
+          </p:cNvPicPr>
+          <p:nvPr/>
+        </p:nvPicPr>
+        <p:blipFill>
+          <a:blip r:embed="rId4">
             <a:extLst>
               <a:ext uri="{28A0092B-C50C-407E-A947-70E740481C1C}">
                 <a14:useLocalDpi xmlns:a14="http://schemas.microsoft.com/office/drawing/2010/main" val="0"/>
@@ -3384,7 +3454,7 @@
           <p:nvPr/>
         </p:nvPicPr>
         <p:blipFill>
-          <a:blip r:embed="rId3">
+          <a:blip r:embed="rId5">
             <a:extLst>
               <a:ext uri="{28A0092B-C50C-407E-A947-70E740481C1C}">
                 <a14:useLocalDpi xmlns:a14="http://schemas.microsoft.com/office/drawing/2010/main" val="0"/>
@@ -3406,10 +3476,10 @@
       </p:pic>
       <p:pic>
         <p:nvPicPr>
-          <p:cNvPr id="8" name="Picture 7" descr="A person standing on a railing with a body of water in the background&#10;&#10;AI-generated content may be incorrect.">
-            <a:extLst>
-              <a:ext uri="{FF2B5EF4-FFF2-40B4-BE49-F238E27FC236}">
-                <a16:creationId xmlns:a16="http://schemas.microsoft.com/office/drawing/2014/main" id="{24B79CA4-914B-A6E9-9215-0D1461A80C2F}"/>
+          <p:cNvPr id="3" name="Picture 2" descr="A person standing in front of a city&#10;&#10;AI-generated content may be incorrect.">
+            <a:extLst>
+              <a:ext uri="{FF2B5EF4-FFF2-40B4-BE49-F238E27FC236}">
+                <a16:creationId xmlns:a16="http://schemas.microsoft.com/office/drawing/2014/main" id="{3E823A64-F53A-2667-2145-C6D48CDB8972}"/>
               </a:ext>
             </a:extLst>
           </p:cNvPr>
@@ -3419,42 +3489,7 @@
           <p:nvPr/>
         </p:nvPicPr>
         <p:blipFill>
-          <a:blip r:embed="rId4">
-            <a:extLst>
-              <a:ext uri="{28A0092B-C50C-407E-A947-70E740481C1C}">
-                <a14:useLocalDpi xmlns:a14="http://schemas.microsoft.com/office/drawing/2010/main" val="0"/>
-              </a:ext>
-            </a:extLst>
-          </a:blip>
-          <a:srcRect l="39073" t="14790" r="43154" b="56268"/>
-          <a:stretch/>
-        </p:blipFill>
-        <p:spPr>
-          <a:xfrm>
-            <a:off x="4566507" y="221789"/>
-            <a:ext cx="1835394" cy="2294244"/>
-          </a:xfrm>
-          <a:prstGeom prst="rect">
-            <a:avLst/>
-          </a:prstGeom>
-        </p:spPr>
-      </p:pic>
-      <p:pic>
-        <p:nvPicPr>
-          <p:cNvPr id="3" name="Picture 2" descr="A person standing in front of a city&#10;&#10;AI-generated content may be incorrect.">
-            <a:extLst>
-              <a:ext uri="{FF2B5EF4-FFF2-40B4-BE49-F238E27FC236}">
-                <a16:creationId xmlns:a16="http://schemas.microsoft.com/office/drawing/2014/main" id="{3E823A64-F53A-2667-2145-C6D48CDB8972}"/>
-              </a:ext>
-            </a:extLst>
-          </p:cNvPr>
-          <p:cNvPicPr>
-            <a:picLocks noChangeAspect="1"/>
-          </p:cNvPicPr>
-          <p:nvPr/>
-        </p:nvPicPr>
-        <p:blipFill>
-          <a:blip r:embed="rId5">
+          <a:blip r:embed="rId6">
             <a:extLst>
               <a:ext uri="{28A0092B-C50C-407E-A947-70E740481C1C}">
                 <a14:useLocalDpi xmlns:a14="http://schemas.microsoft.com/office/drawing/2010/main" val="0"/>
@@ -3968,23 +4003,6 @@
 </file>
 
 <file path=customXml/item1.xml><?xml version="1.0" encoding="utf-8"?>
-<p:properties xmlns:p="http://schemas.microsoft.com/office/2006/metadata/properties" xmlns:xsi="http://www.w3.org/2001/XMLSchema-instance" xmlns:pc="http://schemas.microsoft.com/office/infopath/2007/PartnerControls">
-  <documentManagement>
-    <_activity xmlns="164a341b-6725-4b07-a6cd-9fe6e9ab5b42" xsi:nil="true"/>
-  </documentManagement>
-</p:properties>
-</file>
-
-<file path=customXml/item2.xml><?xml version="1.0" encoding="utf-8"?>
-<?mso-contentType ?>
-<FormTemplates xmlns="http://schemas.microsoft.com/sharepoint/v3/contenttype/forms">
-  <Display>DocumentLibraryForm</Display>
-  <Edit>DocumentLibraryForm</Edit>
-  <New>DocumentLibraryForm</New>
-</FormTemplates>
-</file>
-
-<file path=customXml/item3.xml><?xml version="1.0" encoding="utf-8"?>
 <ct:contentTypeSchema xmlns:ct="http://schemas.microsoft.com/office/2006/metadata/contentType" xmlns:ma="http://schemas.microsoft.com/office/2006/metadata/properties/metaAttributes" ct:_="" ma:_="" ma:contentTypeName="Document" ma:contentTypeID="0x0101005734AFEDFB78FE468D4FAC8F2B57CE82" ma:contentTypeVersion="16" ma:contentTypeDescription="Create a new document." ma:contentTypeScope="" ma:versionID="0882b9c2cdd45cfde3d1242676b377ca">
   <xsd:schema xmlns:xsd="http://www.w3.org/2001/XMLSchema" xmlns:xs="http://www.w3.org/2001/XMLSchema" xmlns:p="http://schemas.microsoft.com/office/2006/metadata/properties" xmlns:ns3="8b12d126-63ce-4724-8c77-27b1e80585d4" xmlns:ns4="164a341b-6725-4b07-a6cd-9fe6e9ab5b42" targetNamespace="http://schemas.microsoft.com/office/2006/metadata/properties" ma:root="true" ma:fieldsID="45302008ef36b0ca110dbb940ad0e969" ns3:_="" ns4:_="">
     <xsd:import namespace="8b12d126-63ce-4724-8c77-27b1e80585d4"/>
@@ -4223,32 +4241,24 @@
 </ct:contentTypeSchema>
 </file>
 
-<file path=customXml/itemProps1.xml><?xml version="1.0" encoding="utf-8"?>
-<ds:datastoreItem xmlns:ds="http://schemas.openxmlformats.org/officeDocument/2006/customXml" ds:itemID="{2FC875C6-2222-466F-B33D-16026999EB3A}">
-  <ds:schemaRefs>
-    <ds:schemaRef ds:uri="http://purl.org/dc/dcmitype/"/>
-    <ds:schemaRef ds:uri="http://schemas.microsoft.com/office/2006/metadata/properties"/>
-    <ds:schemaRef ds:uri="http://schemas.microsoft.com/office/2006/documentManagement/types"/>
-    <ds:schemaRef ds:uri="8b12d126-63ce-4724-8c77-27b1e80585d4"/>
-    <ds:schemaRef ds:uri="http://schemas.microsoft.com/office/infopath/2007/PartnerControls"/>
-    <ds:schemaRef ds:uri="164a341b-6725-4b07-a6cd-9fe6e9ab5b42"/>
-    <ds:schemaRef ds:uri="http://schemas.openxmlformats.org/package/2006/metadata/core-properties"/>
-    <ds:schemaRef ds:uri="http://www.w3.org/XML/1998/namespace"/>
-    <ds:schemaRef ds:uri="http://purl.org/dc/terms/"/>
-    <ds:schemaRef ds:uri="http://purl.org/dc/elements/1.1/"/>
-  </ds:schemaRefs>
-</ds:datastoreItem>
+<file path=customXml/item2.xml><?xml version="1.0" encoding="utf-8"?>
+<?mso-contentType ?>
+<FormTemplates xmlns="http://schemas.microsoft.com/sharepoint/v3/contenttype/forms">
+  <Display>DocumentLibraryForm</Display>
+  <Edit>DocumentLibraryForm</Edit>
+  <New>DocumentLibraryForm</New>
+</FormTemplates>
 </file>
 
-<file path=customXml/itemProps2.xml><?xml version="1.0" encoding="utf-8"?>
-<ds:datastoreItem xmlns:ds="http://schemas.openxmlformats.org/officeDocument/2006/customXml" ds:itemID="{E5AB4D09-E20E-465C-B664-11F30F862AF9}">
-  <ds:schemaRefs>
-    <ds:schemaRef ds:uri="http://schemas.microsoft.com/sharepoint/v3/contenttype/forms"/>
-  </ds:schemaRefs>
-</ds:datastoreItem>
+<file path=customXml/item3.xml><?xml version="1.0" encoding="utf-8"?>
+<p:properties xmlns:p="http://schemas.microsoft.com/office/2006/metadata/properties" xmlns:xsi="http://www.w3.org/2001/XMLSchema-instance" xmlns:pc="http://schemas.microsoft.com/office/infopath/2007/PartnerControls">
+  <documentManagement>
+    <_activity xmlns="164a341b-6725-4b07-a6cd-9fe6e9ab5b42" xsi:nil="true"/>
+  </documentManagement>
+</p:properties>
 </file>
 
-<file path=customXml/itemProps3.xml><?xml version="1.0" encoding="utf-8"?>
+<file path=customXml/itemProps1.xml><?xml version="1.0" encoding="utf-8"?>
 <ds:datastoreItem xmlns:ds="http://schemas.openxmlformats.org/officeDocument/2006/customXml" ds:itemID="{55DFAFA0-C89C-4CC9-A94A-57A42FDA5651}">
   <ds:schemaRefs>
     <ds:schemaRef ds:uri="http://schemas.microsoft.com/office/2006/metadata/contentType"/>
@@ -4267,6 +4277,31 @@
 </ds:datastoreItem>
 </file>
 
+<file path=customXml/itemProps2.xml><?xml version="1.0" encoding="utf-8"?>
+<ds:datastoreItem xmlns:ds="http://schemas.openxmlformats.org/officeDocument/2006/customXml" ds:itemID="{E5AB4D09-E20E-465C-B664-11F30F862AF9}">
+  <ds:schemaRefs>
+    <ds:schemaRef ds:uri="http://schemas.microsoft.com/sharepoint/v3/contenttype/forms"/>
+  </ds:schemaRefs>
+</ds:datastoreItem>
+</file>
+
+<file path=customXml/itemProps3.xml><?xml version="1.0" encoding="utf-8"?>
+<ds:datastoreItem xmlns:ds="http://schemas.openxmlformats.org/officeDocument/2006/customXml" ds:itemID="{2FC875C6-2222-466F-B33D-16026999EB3A}">
+  <ds:schemaRefs>
+    <ds:schemaRef ds:uri="http://purl.org/dc/dcmitype/"/>
+    <ds:schemaRef ds:uri="http://schemas.microsoft.com/office/2006/metadata/properties"/>
+    <ds:schemaRef ds:uri="http://schemas.microsoft.com/office/2006/documentManagement/types"/>
+    <ds:schemaRef ds:uri="8b12d126-63ce-4724-8c77-27b1e80585d4"/>
+    <ds:schemaRef ds:uri="http://schemas.microsoft.com/office/infopath/2007/PartnerControls"/>
+    <ds:schemaRef ds:uri="164a341b-6725-4b07-a6cd-9fe6e9ab5b42"/>
+    <ds:schemaRef ds:uri="http://schemas.openxmlformats.org/package/2006/metadata/core-properties"/>
+    <ds:schemaRef ds:uri="http://www.w3.org/XML/1998/namespace"/>
+    <ds:schemaRef ds:uri="http://purl.org/dc/terms/"/>
+    <ds:schemaRef ds:uri="http://purl.org/dc/elements/1.1/"/>
+  </ds:schemaRefs>
+</ds:datastoreItem>
+</file>
+
 <file path=docMetadata/LabelInfo.xml><?xml version="1.0" encoding="utf-8"?>
 <clbl:labelList xmlns:clbl="http://schemas.microsoft.com/office/2020/mipLabelMetadata">
   <clbl:label id="{43083d15-7273-40c1-b7db-39efd9ccc17a}" enabled="0" method="" siteId="{43083d15-7273-40c1-b7db-39efd9ccc17a}" removed="1"/>

--- a/students/photos/photos_cropped.pptx
+++ b/students/photos/photos_cropped.pptx
@@ -4003,6 +4003,23 @@
 </file>
 
 <file path=customXml/item1.xml><?xml version="1.0" encoding="utf-8"?>
+<p:properties xmlns:p="http://schemas.microsoft.com/office/2006/metadata/properties" xmlns:xsi="http://www.w3.org/2001/XMLSchema-instance" xmlns:pc="http://schemas.microsoft.com/office/infopath/2007/PartnerControls">
+  <documentManagement>
+    <_activity xmlns="164a341b-6725-4b07-a6cd-9fe6e9ab5b42" xsi:nil="true"/>
+  </documentManagement>
+</p:properties>
+</file>
+
+<file path=customXml/item2.xml><?xml version="1.0" encoding="utf-8"?>
+<?mso-contentType ?>
+<FormTemplates xmlns="http://schemas.microsoft.com/sharepoint/v3/contenttype/forms">
+  <Display>DocumentLibraryForm</Display>
+  <Edit>DocumentLibraryForm</Edit>
+  <New>DocumentLibraryForm</New>
+</FormTemplates>
+</file>
+
+<file path=customXml/item3.xml><?xml version="1.0" encoding="utf-8"?>
 <ct:contentTypeSchema xmlns:ct="http://schemas.microsoft.com/office/2006/metadata/contentType" xmlns:ma="http://schemas.microsoft.com/office/2006/metadata/properties/metaAttributes" ct:_="" ma:_="" ma:contentTypeName="Document" ma:contentTypeID="0x0101005734AFEDFB78FE468D4FAC8F2B57CE82" ma:contentTypeVersion="16" ma:contentTypeDescription="Create a new document." ma:contentTypeScope="" ma:versionID="0882b9c2cdd45cfde3d1242676b377ca">
   <xsd:schema xmlns:xsd="http://www.w3.org/2001/XMLSchema" xmlns:xs="http://www.w3.org/2001/XMLSchema" xmlns:p="http://schemas.microsoft.com/office/2006/metadata/properties" xmlns:ns3="8b12d126-63ce-4724-8c77-27b1e80585d4" xmlns:ns4="164a341b-6725-4b07-a6cd-9fe6e9ab5b42" targetNamespace="http://schemas.microsoft.com/office/2006/metadata/properties" ma:root="true" ma:fieldsID="45302008ef36b0ca110dbb940ad0e969" ns3:_="" ns4:_="">
     <xsd:import namespace="8b12d126-63ce-4724-8c77-27b1e80585d4"/>
@@ -4241,24 +4258,32 @@
 </ct:contentTypeSchema>
 </file>
 
-<file path=customXml/item2.xml><?xml version="1.0" encoding="utf-8"?>
-<?mso-contentType ?>
-<FormTemplates xmlns="http://schemas.microsoft.com/sharepoint/v3/contenttype/forms">
-  <Display>DocumentLibraryForm</Display>
-  <Edit>DocumentLibraryForm</Edit>
-  <New>DocumentLibraryForm</New>
-</FormTemplates>
+<file path=customXml/itemProps1.xml><?xml version="1.0" encoding="utf-8"?>
+<ds:datastoreItem xmlns:ds="http://schemas.openxmlformats.org/officeDocument/2006/customXml" ds:itemID="{2FC875C6-2222-466F-B33D-16026999EB3A}">
+  <ds:schemaRefs>
+    <ds:schemaRef ds:uri="http://purl.org/dc/dcmitype/"/>
+    <ds:schemaRef ds:uri="http://schemas.microsoft.com/office/2006/metadata/properties"/>
+    <ds:schemaRef ds:uri="http://schemas.microsoft.com/office/2006/documentManagement/types"/>
+    <ds:schemaRef ds:uri="8b12d126-63ce-4724-8c77-27b1e80585d4"/>
+    <ds:schemaRef ds:uri="http://schemas.microsoft.com/office/infopath/2007/PartnerControls"/>
+    <ds:schemaRef ds:uri="164a341b-6725-4b07-a6cd-9fe6e9ab5b42"/>
+    <ds:schemaRef ds:uri="http://schemas.openxmlformats.org/package/2006/metadata/core-properties"/>
+    <ds:schemaRef ds:uri="http://www.w3.org/XML/1998/namespace"/>
+    <ds:schemaRef ds:uri="http://purl.org/dc/terms/"/>
+    <ds:schemaRef ds:uri="http://purl.org/dc/elements/1.1/"/>
+  </ds:schemaRefs>
+</ds:datastoreItem>
 </file>
 
-<file path=customXml/item3.xml><?xml version="1.0" encoding="utf-8"?>
-<p:properties xmlns:p="http://schemas.microsoft.com/office/2006/metadata/properties" xmlns:xsi="http://www.w3.org/2001/XMLSchema-instance" xmlns:pc="http://schemas.microsoft.com/office/infopath/2007/PartnerControls">
-  <documentManagement>
-    <_activity xmlns="164a341b-6725-4b07-a6cd-9fe6e9ab5b42" xsi:nil="true"/>
-  </documentManagement>
-</p:properties>
+<file path=customXml/itemProps2.xml><?xml version="1.0" encoding="utf-8"?>
+<ds:datastoreItem xmlns:ds="http://schemas.openxmlformats.org/officeDocument/2006/customXml" ds:itemID="{E5AB4D09-E20E-465C-B664-11F30F862AF9}">
+  <ds:schemaRefs>
+    <ds:schemaRef ds:uri="http://schemas.microsoft.com/sharepoint/v3/contenttype/forms"/>
+  </ds:schemaRefs>
+</ds:datastoreItem>
 </file>
 
-<file path=customXml/itemProps1.xml><?xml version="1.0" encoding="utf-8"?>
+<file path=customXml/itemProps3.xml><?xml version="1.0" encoding="utf-8"?>
 <ds:datastoreItem xmlns:ds="http://schemas.openxmlformats.org/officeDocument/2006/customXml" ds:itemID="{55DFAFA0-C89C-4CC9-A94A-57A42FDA5651}">
   <ds:schemaRefs>
     <ds:schemaRef ds:uri="http://schemas.microsoft.com/office/2006/metadata/contentType"/>
@@ -4277,31 +4302,6 @@
 </ds:datastoreItem>
 </file>
 
-<file path=customXml/itemProps2.xml><?xml version="1.0" encoding="utf-8"?>
-<ds:datastoreItem xmlns:ds="http://schemas.openxmlformats.org/officeDocument/2006/customXml" ds:itemID="{E5AB4D09-E20E-465C-B664-11F30F862AF9}">
-  <ds:schemaRefs>
-    <ds:schemaRef ds:uri="http://schemas.microsoft.com/sharepoint/v3/contenttype/forms"/>
-  </ds:schemaRefs>
-</ds:datastoreItem>
-</file>
-
-<file path=customXml/itemProps3.xml><?xml version="1.0" encoding="utf-8"?>
-<ds:datastoreItem xmlns:ds="http://schemas.openxmlformats.org/officeDocument/2006/customXml" ds:itemID="{2FC875C6-2222-466F-B33D-16026999EB3A}">
-  <ds:schemaRefs>
-    <ds:schemaRef ds:uri="http://purl.org/dc/dcmitype/"/>
-    <ds:schemaRef ds:uri="http://schemas.microsoft.com/office/2006/metadata/properties"/>
-    <ds:schemaRef ds:uri="http://schemas.microsoft.com/office/2006/documentManagement/types"/>
-    <ds:schemaRef ds:uri="8b12d126-63ce-4724-8c77-27b1e80585d4"/>
-    <ds:schemaRef ds:uri="http://schemas.microsoft.com/office/infopath/2007/PartnerControls"/>
-    <ds:schemaRef ds:uri="164a341b-6725-4b07-a6cd-9fe6e9ab5b42"/>
-    <ds:schemaRef ds:uri="http://schemas.openxmlformats.org/package/2006/metadata/core-properties"/>
-    <ds:schemaRef ds:uri="http://www.w3.org/XML/1998/namespace"/>
-    <ds:schemaRef ds:uri="http://purl.org/dc/terms/"/>
-    <ds:schemaRef ds:uri="http://purl.org/dc/elements/1.1/"/>
-  </ds:schemaRefs>
-</ds:datastoreItem>
-</file>
-
 <file path=docMetadata/LabelInfo.xml><?xml version="1.0" encoding="utf-8"?>
 <clbl:labelList xmlns:clbl="http://schemas.microsoft.com/office/2020/mipLabelMetadata">
   <clbl:label id="{43083d15-7273-40c1-b7db-39efd9ccc17a}" enabled="0" method="" siteId="{43083d15-7273-40c1-b7db-39efd9ccc17a}" removed="1"/>

--- a/students/photos/photos_cropped.pptx
+++ b/students/photos/photos_cropped.pptx
@@ -267,7 +267,7 @@
           <a:p>
             <a:fld id="{CDF2D356-B53D-49D9-A265-843CF836C022}" type="datetimeFigureOut">
               <a:rPr lang="en-US" smtClean="0"/>
-              <a:t>2/18/2025</a:t>
+              <a:t>7/15/2025</a:t>
             </a:fld>
             <a:endParaRPr lang="en-US"/>
           </a:p>
@@ -465,7 +465,7 @@
           <a:p>
             <a:fld id="{CDF2D356-B53D-49D9-A265-843CF836C022}" type="datetimeFigureOut">
               <a:rPr lang="en-US" smtClean="0"/>
-              <a:t>2/18/2025</a:t>
+              <a:t>7/15/2025</a:t>
             </a:fld>
             <a:endParaRPr lang="en-US"/>
           </a:p>
@@ -673,7 +673,7 @@
           <a:p>
             <a:fld id="{CDF2D356-B53D-49D9-A265-843CF836C022}" type="datetimeFigureOut">
               <a:rPr lang="en-US" smtClean="0"/>
-              <a:t>2/18/2025</a:t>
+              <a:t>7/15/2025</a:t>
             </a:fld>
             <a:endParaRPr lang="en-US"/>
           </a:p>
@@ -871,7 +871,7 @@
           <a:p>
             <a:fld id="{CDF2D356-B53D-49D9-A265-843CF836C022}" type="datetimeFigureOut">
               <a:rPr lang="en-US" smtClean="0"/>
-              <a:t>2/18/2025</a:t>
+              <a:t>7/15/2025</a:t>
             </a:fld>
             <a:endParaRPr lang="en-US"/>
           </a:p>
@@ -1146,7 +1146,7 @@
           <a:p>
             <a:fld id="{CDF2D356-B53D-49D9-A265-843CF836C022}" type="datetimeFigureOut">
               <a:rPr lang="en-US" smtClean="0"/>
-              <a:t>2/18/2025</a:t>
+              <a:t>7/15/2025</a:t>
             </a:fld>
             <a:endParaRPr lang="en-US"/>
           </a:p>
@@ -1411,7 +1411,7 @@
           <a:p>
             <a:fld id="{CDF2D356-B53D-49D9-A265-843CF836C022}" type="datetimeFigureOut">
               <a:rPr lang="en-US" smtClean="0"/>
-              <a:t>2/18/2025</a:t>
+              <a:t>7/15/2025</a:t>
             </a:fld>
             <a:endParaRPr lang="en-US"/>
           </a:p>
@@ -1823,7 +1823,7 @@
           <a:p>
             <a:fld id="{CDF2D356-B53D-49D9-A265-843CF836C022}" type="datetimeFigureOut">
               <a:rPr lang="en-US" smtClean="0"/>
-              <a:t>2/18/2025</a:t>
+              <a:t>7/15/2025</a:t>
             </a:fld>
             <a:endParaRPr lang="en-US"/>
           </a:p>
@@ -1964,7 +1964,7 @@
           <a:p>
             <a:fld id="{CDF2D356-B53D-49D9-A265-843CF836C022}" type="datetimeFigureOut">
               <a:rPr lang="en-US" smtClean="0"/>
-              <a:t>2/18/2025</a:t>
+              <a:t>7/15/2025</a:t>
             </a:fld>
             <a:endParaRPr lang="en-US"/>
           </a:p>
@@ -2077,7 +2077,7 @@
           <a:p>
             <a:fld id="{CDF2D356-B53D-49D9-A265-843CF836C022}" type="datetimeFigureOut">
               <a:rPr lang="en-US" smtClean="0"/>
-              <a:t>2/18/2025</a:t>
+              <a:t>7/15/2025</a:t>
             </a:fld>
             <a:endParaRPr lang="en-US"/>
           </a:p>
@@ -2388,7 +2388,7 @@
           <a:p>
             <a:fld id="{CDF2D356-B53D-49D9-A265-843CF836C022}" type="datetimeFigureOut">
               <a:rPr lang="en-US" smtClean="0"/>
-              <a:t>2/18/2025</a:t>
+              <a:t>7/15/2025</a:t>
             </a:fld>
             <a:endParaRPr lang="en-US"/>
           </a:p>
@@ -2676,7 +2676,7 @@
           <a:p>
             <a:fld id="{CDF2D356-B53D-49D9-A265-843CF836C022}" type="datetimeFigureOut">
               <a:rPr lang="en-US" smtClean="0"/>
-              <a:t>2/18/2025</a:t>
+              <a:t>7/15/2025</a:t>
             </a:fld>
             <a:endParaRPr lang="en-US"/>
           </a:p>
@@ -2917,7 +2917,7 @@
           <a:p>
             <a:fld id="{CDF2D356-B53D-49D9-A265-843CF836C022}" type="datetimeFigureOut">
               <a:rPr lang="en-US" smtClean="0"/>
-              <a:t>2/18/2025</a:t>
+              <a:t>7/15/2025</a:t>
             </a:fld>
             <a:endParaRPr lang="en-US"/>
           </a:p>
@@ -3476,10 +3476,10 @@
       </p:pic>
       <p:pic>
         <p:nvPicPr>
-          <p:cNvPr id="3" name="Picture 2" descr="A person standing in front of a city&#10;&#10;AI-generated content may be incorrect.">
-            <a:extLst>
-              <a:ext uri="{FF2B5EF4-FFF2-40B4-BE49-F238E27FC236}">
-                <a16:creationId xmlns:a16="http://schemas.microsoft.com/office/drawing/2014/main" id="{3E823A64-F53A-2667-2145-C6D48CDB8972}"/>
+          <p:cNvPr id="8" name="Picture 7" descr="A person standing on a ledge by a body of water with buildings in the background&#10;&#10;AI-generated content may be incorrect.">
+            <a:extLst>
+              <a:ext uri="{FF2B5EF4-FFF2-40B4-BE49-F238E27FC236}">
+                <a16:creationId xmlns:a16="http://schemas.microsoft.com/office/drawing/2014/main" id="{8F3E66D0-309D-6373-DD40-1129A64E1739}"/>
               </a:ext>
             </a:extLst>
           </p:cNvPr>
@@ -3496,13 +3496,15 @@
               </a:ext>
             </a:extLst>
           </a:blip>
-          <a:srcRect l="27161" t="24334" r="31119" b="25337"/>
-          <a:stretch/>
+          <a:srcRect l="33101" t="31826" r="33101" b="25961"/>
+          <a:stretch>
+            <a:fillRect/>
+          </a:stretch>
         </p:blipFill>
         <p:spPr>
           <a:xfrm>
-            <a:off x="2497805" y="221789"/>
-            <a:ext cx="1835394" cy="2294244"/>
+            <a:off x="2497804" y="241795"/>
+            <a:ext cx="1835394" cy="2294245"/>
           </a:xfrm>
           <a:prstGeom prst="rect">
             <a:avLst/>
@@ -3523,7 +3525,7 @@
         </p:nvGrpSpPr>
         <p:grpSpPr>
           <a:xfrm>
-            <a:off x="226736" y="221789"/>
+            <a:off x="429102" y="241795"/>
             <a:ext cx="1835395" cy="2294244"/>
             <a:chOff x="1835182" y="1124192"/>
             <a:chExt cx="5486400" cy="6858000"/>
@@ -4003,23 +4005,6 @@
 </file>
 
 <file path=customXml/item1.xml><?xml version="1.0" encoding="utf-8"?>
-<p:properties xmlns:p="http://schemas.microsoft.com/office/2006/metadata/properties" xmlns:xsi="http://www.w3.org/2001/XMLSchema-instance" xmlns:pc="http://schemas.microsoft.com/office/infopath/2007/PartnerControls">
-  <documentManagement>
-    <_activity xmlns="164a341b-6725-4b07-a6cd-9fe6e9ab5b42" xsi:nil="true"/>
-  </documentManagement>
-</p:properties>
-</file>
-
-<file path=customXml/item2.xml><?xml version="1.0" encoding="utf-8"?>
-<?mso-contentType ?>
-<FormTemplates xmlns="http://schemas.microsoft.com/sharepoint/v3/contenttype/forms">
-  <Display>DocumentLibraryForm</Display>
-  <Edit>DocumentLibraryForm</Edit>
-  <New>DocumentLibraryForm</New>
-</FormTemplates>
-</file>
-
-<file path=customXml/item3.xml><?xml version="1.0" encoding="utf-8"?>
 <ct:contentTypeSchema xmlns:ct="http://schemas.microsoft.com/office/2006/metadata/contentType" xmlns:ma="http://schemas.microsoft.com/office/2006/metadata/properties/metaAttributes" ct:_="" ma:_="" ma:contentTypeName="Document" ma:contentTypeID="0x0101005734AFEDFB78FE468D4FAC8F2B57CE82" ma:contentTypeVersion="16" ma:contentTypeDescription="Create a new document." ma:contentTypeScope="" ma:versionID="0882b9c2cdd45cfde3d1242676b377ca">
   <xsd:schema xmlns:xsd="http://www.w3.org/2001/XMLSchema" xmlns:xs="http://www.w3.org/2001/XMLSchema" xmlns:p="http://schemas.microsoft.com/office/2006/metadata/properties" xmlns:ns3="8b12d126-63ce-4724-8c77-27b1e80585d4" xmlns:ns4="164a341b-6725-4b07-a6cd-9fe6e9ab5b42" targetNamespace="http://schemas.microsoft.com/office/2006/metadata/properties" ma:root="true" ma:fieldsID="45302008ef36b0ca110dbb940ad0e969" ns3:_="" ns4:_="">
     <xsd:import namespace="8b12d126-63ce-4724-8c77-27b1e80585d4"/>
@@ -4258,32 +4243,24 @@
 </ct:contentTypeSchema>
 </file>
 
-<file path=customXml/itemProps1.xml><?xml version="1.0" encoding="utf-8"?>
-<ds:datastoreItem xmlns:ds="http://schemas.openxmlformats.org/officeDocument/2006/customXml" ds:itemID="{2FC875C6-2222-466F-B33D-16026999EB3A}">
-  <ds:schemaRefs>
-    <ds:schemaRef ds:uri="http://purl.org/dc/dcmitype/"/>
-    <ds:schemaRef ds:uri="http://schemas.microsoft.com/office/2006/metadata/properties"/>
-    <ds:schemaRef ds:uri="http://schemas.microsoft.com/office/2006/documentManagement/types"/>
-    <ds:schemaRef ds:uri="8b12d126-63ce-4724-8c77-27b1e80585d4"/>
-    <ds:schemaRef ds:uri="http://schemas.microsoft.com/office/infopath/2007/PartnerControls"/>
-    <ds:schemaRef ds:uri="164a341b-6725-4b07-a6cd-9fe6e9ab5b42"/>
-    <ds:schemaRef ds:uri="http://schemas.openxmlformats.org/package/2006/metadata/core-properties"/>
-    <ds:schemaRef ds:uri="http://www.w3.org/XML/1998/namespace"/>
-    <ds:schemaRef ds:uri="http://purl.org/dc/terms/"/>
-    <ds:schemaRef ds:uri="http://purl.org/dc/elements/1.1/"/>
-  </ds:schemaRefs>
-</ds:datastoreItem>
+<file path=customXml/item2.xml><?xml version="1.0" encoding="utf-8"?>
+<?mso-contentType ?>
+<FormTemplates xmlns="http://schemas.microsoft.com/sharepoint/v3/contenttype/forms">
+  <Display>DocumentLibraryForm</Display>
+  <Edit>DocumentLibraryForm</Edit>
+  <New>DocumentLibraryForm</New>
+</FormTemplates>
 </file>
 
-<file path=customXml/itemProps2.xml><?xml version="1.0" encoding="utf-8"?>
-<ds:datastoreItem xmlns:ds="http://schemas.openxmlformats.org/officeDocument/2006/customXml" ds:itemID="{E5AB4D09-E20E-465C-B664-11F30F862AF9}">
-  <ds:schemaRefs>
-    <ds:schemaRef ds:uri="http://schemas.microsoft.com/sharepoint/v3/contenttype/forms"/>
-  </ds:schemaRefs>
-</ds:datastoreItem>
+<file path=customXml/item3.xml><?xml version="1.0" encoding="utf-8"?>
+<p:properties xmlns:p="http://schemas.microsoft.com/office/2006/metadata/properties" xmlns:xsi="http://www.w3.org/2001/XMLSchema-instance" xmlns:pc="http://schemas.microsoft.com/office/infopath/2007/PartnerControls">
+  <documentManagement>
+    <_activity xmlns="164a341b-6725-4b07-a6cd-9fe6e9ab5b42" xsi:nil="true"/>
+  </documentManagement>
+</p:properties>
 </file>
 
-<file path=customXml/itemProps3.xml><?xml version="1.0" encoding="utf-8"?>
+<file path=customXml/itemProps1.xml><?xml version="1.0" encoding="utf-8"?>
 <ds:datastoreItem xmlns:ds="http://schemas.openxmlformats.org/officeDocument/2006/customXml" ds:itemID="{55DFAFA0-C89C-4CC9-A94A-57A42FDA5651}">
   <ds:schemaRefs>
     <ds:schemaRef ds:uri="http://schemas.microsoft.com/office/2006/metadata/contentType"/>
@@ -4302,6 +4279,31 @@
 </ds:datastoreItem>
 </file>
 
+<file path=customXml/itemProps2.xml><?xml version="1.0" encoding="utf-8"?>
+<ds:datastoreItem xmlns:ds="http://schemas.openxmlformats.org/officeDocument/2006/customXml" ds:itemID="{E5AB4D09-E20E-465C-B664-11F30F862AF9}">
+  <ds:schemaRefs>
+    <ds:schemaRef ds:uri="http://schemas.microsoft.com/sharepoint/v3/contenttype/forms"/>
+  </ds:schemaRefs>
+</ds:datastoreItem>
+</file>
+
+<file path=customXml/itemProps3.xml><?xml version="1.0" encoding="utf-8"?>
+<ds:datastoreItem xmlns:ds="http://schemas.openxmlformats.org/officeDocument/2006/customXml" ds:itemID="{2FC875C6-2222-466F-B33D-16026999EB3A}">
+  <ds:schemaRefs>
+    <ds:schemaRef ds:uri="http://purl.org/dc/dcmitype/"/>
+    <ds:schemaRef ds:uri="http://schemas.microsoft.com/office/2006/metadata/properties"/>
+    <ds:schemaRef ds:uri="http://schemas.microsoft.com/office/2006/documentManagement/types"/>
+    <ds:schemaRef ds:uri="8b12d126-63ce-4724-8c77-27b1e80585d4"/>
+    <ds:schemaRef ds:uri="http://schemas.microsoft.com/office/infopath/2007/PartnerControls"/>
+    <ds:schemaRef ds:uri="164a341b-6725-4b07-a6cd-9fe6e9ab5b42"/>
+    <ds:schemaRef ds:uri="http://schemas.openxmlformats.org/package/2006/metadata/core-properties"/>
+    <ds:schemaRef ds:uri="http://www.w3.org/XML/1998/namespace"/>
+    <ds:schemaRef ds:uri="http://purl.org/dc/terms/"/>
+    <ds:schemaRef ds:uri="http://purl.org/dc/elements/1.1/"/>
+  </ds:schemaRefs>
+</ds:datastoreItem>
+</file>
+
 <file path=docMetadata/LabelInfo.xml><?xml version="1.0" encoding="utf-8"?>
 <clbl:labelList xmlns:clbl="http://schemas.microsoft.com/office/2020/mipLabelMetadata">
   <clbl:label id="{43083d15-7273-40c1-b7db-39efd9ccc17a}" enabled="0" method="" siteId="{43083d15-7273-40c1-b7db-39efd9ccc17a}" removed="1"/>

--- a/students/photos/photos_cropped.pptx
+++ b/students/photos/photos_cropped.pptx
@@ -267,7 +267,7 @@
           <a:p>
             <a:fld id="{CDF2D356-B53D-49D9-A265-843CF836C022}" type="datetimeFigureOut">
               <a:rPr lang="en-US" smtClean="0"/>
-              <a:t>7/15/2025</a:t>
+              <a:t>8/28/2025</a:t>
             </a:fld>
             <a:endParaRPr lang="en-US"/>
           </a:p>
@@ -465,7 +465,7 @@
           <a:p>
             <a:fld id="{CDF2D356-B53D-49D9-A265-843CF836C022}" type="datetimeFigureOut">
               <a:rPr lang="en-US" smtClean="0"/>
-              <a:t>7/15/2025</a:t>
+              <a:t>8/28/2025</a:t>
             </a:fld>
             <a:endParaRPr lang="en-US"/>
           </a:p>
@@ -673,7 +673,7 @@
           <a:p>
             <a:fld id="{CDF2D356-B53D-49D9-A265-843CF836C022}" type="datetimeFigureOut">
               <a:rPr lang="en-US" smtClean="0"/>
-              <a:t>7/15/2025</a:t>
+              <a:t>8/28/2025</a:t>
             </a:fld>
             <a:endParaRPr lang="en-US"/>
           </a:p>
@@ -871,7 +871,7 @@
           <a:p>
             <a:fld id="{CDF2D356-B53D-49D9-A265-843CF836C022}" type="datetimeFigureOut">
               <a:rPr lang="en-US" smtClean="0"/>
-              <a:t>7/15/2025</a:t>
+              <a:t>8/28/2025</a:t>
             </a:fld>
             <a:endParaRPr lang="en-US"/>
           </a:p>
@@ -1146,7 +1146,7 @@
           <a:p>
             <a:fld id="{CDF2D356-B53D-49D9-A265-843CF836C022}" type="datetimeFigureOut">
               <a:rPr lang="en-US" smtClean="0"/>
-              <a:t>7/15/2025</a:t>
+              <a:t>8/28/2025</a:t>
             </a:fld>
             <a:endParaRPr lang="en-US"/>
           </a:p>
@@ -1411,7 +1411,7 @@
           <a:p>
             <a:fld id="{CDF2D356-B53D-49D9-A265-843CF836C022}" type="datetimeFigureOut">
               <a:rPr lang="en-US" smtClean="0"/>
-              <a:t>7/15/2025</a:t>
+              <a:t>8/28/2025</a:t>
             </a:fld>
             <a:endParaRPr lang="en-US"/>
           </a:p>
@@ -1823,7 +1823,7 @@
           <a:p>
             <a:fld id="{CDF2D356-B53D-49D9-A265-843CF836C022}" type="datetimeFigureOut">
               <a:rPr lang="en-US" smtClean="0"/>
-              <a:t>7/15/2025</a:t>
+              <a:t>8/28/2025</a:t>
             </a:fld>
             <a:endParaRPr lang="en-US"/>
           </a:p>
@@ -1964,7 +1964,7 @@
           <a:p>
             <a:fld id="{CDF2D356-B53D-49D9-A265-843CF836C022}" type="datetimeFigureOut">
               <a:rPr lang="en-US" smtClean="0"/>
-              <a:t>7/15/2025</a:t>
+              <a:t>8/28/2025</a:t>
             </a:fld>
             <a:endParaRPr lang="en-US"/>
           </a:p>
@@ -2077,7 +2077,7 @@
           <a:p>
             <a:fld id="{CDF2D356-B53D-49D9-A265-843CF836C022}" type="datetimeFigureOut">
               <a:rPr lang="en-US" smtClean="0"/>
-              <a:t>7/15/2025</a:t>
+              <a:t>8/28/2025</a:t>
             </a:fld>
             <a:endParaRPr lang="en-US"/>
           </a:p>
@@ -2388,7 +2388,7 @@
           <a:p>
             <a:fld id="{CDF2D356-B53D-49D9-A265-843CF836C022}" type="datetimeFigureOut">
               <a:rPr lang="en-US" smtClean="0"/>
-              <a:t>7/15/2025</a:t>
+              <a:t>8/28/2025</a:t>
             </a:fld>
             <a:endParaRPr lang="en-US"/>
           </a:p>
@@ -2676,7 +2676,7 @@
           <a:p>
             <a:fld id="{CDF2D356-B53D-49D9-A265-843CF836C022}" type="datetimeFigureOut">
               <a:rPr lang="en-US" smtClean="0"/>
-              <a:t>7/15/2025</a:t>
+              <a:t>8/28/2025</a:t>
             </a:fld>
             <a:endParaRPr lang="en-US"/>
           </a:p>
@@ -2917,7 +2917,7 @@
           <a:p>
             <a:fld id="{CDF2D356-B53D-49D9-A265-843CF836C022}" type="datetimeFigureOut">
               <a:rPr lang="en-US" smtClean="0"/>
-              <a:t>7/15/2025</a:t>
+              <a:t>8/28/2025</a:t>
             </a:fld>
             <a:endParaRPr lang="en-US"/>
           </a:p>
@@ -3676,6 +3676,43 @@
           </p:txBody>
         </p:sp>
       </p:grpSp>
+      <p:pic>
+        <p:nvPicPr>
+          <p:cNvPr id="7" name="Picture 6" descr="A person wearing glasses and a black shirt&#10;&#10;AI-generated content may be incorrect.">
+            <a:extLst>
+              <a:ext uri="{FF2B5EF4-FFF2-40B4-BE49-F238E27FC236}">
+                <a16:creationId xmlns:a16="http://schemas.microsoft.com/office/drawing/2014/main" id="{9931D50B-67B7-DDA9-BDD9-CB36E5E5AE80}"/>
+              </a:ext>
+            </a:extLst>
+          </p:cNvPr>
+          <p:cNvPicPr>
+            <a:picLocks noChangeAspect="1"/>
+          </p:cNvPicPr>
+          <p:nvPr/>
+        </p:nvPicPr>
+        <p:blipFill>
+          <a:blip r:embed="rId7">
+            <a:extLst>
+              <a:ext uri="{28A0092B-C50C-407E-A947-70E740481C1C}">
+                <a14:useLocalDpi xmlns:a14="http://schemas.microsoft.com/office/drawing/2010/main" val="0"/>
+              </a:ext>
+            </a:extLst>
+          </a:blip>
+          <a:srcRect l="29072" t="24159" r="22594" b="31237"/>
+          <a:stretch>
+            <a:fillRect/>
+          </a:stretch>
+        </p:blipFill>
+        <p:spPr>
+          <a:xfrm>
+            <a:off x="6222660" y="2780452"/>
+            <a:ext cx="1835394" cy="2294244"/>
+          </a:xfrm>
+          <a:prstGeom prst="rect">
+            <a:avLst/>
+          </a:prstGeom>
+        </p:spPr>
+      </p:pic>
     </p:spTree>
     <p:extLst>
       <p:ext uri="{BB962C8B-B14F-4D97-AF65-F5344CB8AC3E}">
@@ -4005,6 +4042,23 @@
 </file>
 
 <file path=customXml/item1.xml><?xml version="1.0" encoding="utf-8"?>
+<p:properties xmlns:p="http://schemas.microsoft.com/office/2006/metadata/properties" xmlns:xsi="http://www.w3.org/2001/XMLSchema-instance" xmlns:pc="http://schemas.microsoft.com/office/infopath/2007/PartnerControls">
+  <documentManagement>
+    <_activity xmlns="164a341b-6725-4b07-a6cd-9fe6e9ab5b42" xsi:nil="true"/>
+  </documentManagement>
+</p:properties>
+</file>
+
+<file path=customXml/item2.xml><?xml version="1.0" encoding="utf-8"?>
+<?mso-contentType ?>
+<FormTemplates xmlns="http://schemas.microsoft.com/sharepoint/v3/contenttype/forms">
+  <Display>DocumentLibraryForm</Display>
+  <Edit>DocumentLibraryForm</Edit>
+  <New>DocumentLibraryForm</New>
+</FormTemplates>
+</file>
+
+<file path=customXml/item3.xml><?xml version="1.0" encoding="utf-8"?>
 <ct:contentTypeSchema xmlns:ct="http://schemas.microsoft.com/office/2006/metadata/contentType" xmlns:ma="http://schemas.microsoft.com/office/2006/metadata/properties/metaAttributes" ct:_="" ma:_="" ma:contentTypeName="Document" ma:contentTypeID="0x0101005734AFEDFB78FE468D4FAC8F2B57CE82" ma:contentTypeVersion="16" ma:contentTypeDescription="Create a new document." ma:contentTypeScope="" ma:versionID="0882b9c2cdd45cfde3d1242676b377ca">
   <xsd:schema xmlns:xsd="http://www.w3.org/2001/XMLSchema" xmlns:xs="http://www.w3.org/2001/XMLSchema" xmlns:p="http://schemas.microsoft.com/office/2006/metadata/properties" xmlns:ns3="8b12d126-63ce-4724-8c77-27b1e80585d4" xmlns:ns4="164a341b-6725-4b07-a6cd-9fe6e9ab5b42" targetNamespace="http://schemas.microsoft.com/office/2006/metadata/properties" ma:root="true" ma:fieldsID="45302008ef36b0ca110dbb940ad0e969" ns3:_="" ns4:_="">
     <xsd:import namespace="8b12d126-63ce-4724-8c77-27b1e80585d4"/>
@@ -4243,24 +4297,32 @@
 </ct:contentTypeSchema>
 </file>
 
-<file path=customXml/item2.xml><?xml version="1.0" encoding="utf-8"?>
-<?mso-contentType ?>
-<FormTemplates xmlns="http://schemas.microsoft.com/sharepoint/v3/contenttype/forms">
-  <Display>DocumentLibraryForm</Display>
-  <Edit>DocumentLibraryForm</Edit>
-  <New>DocumentLibraryForm</New>
-</FormTemplates>
+<file path=customXml/itemProps1.xml><?xml version="1.0" encoding="utf-8"?>
+<ds:datastoreItem xmlns:ds="http://schemas.openxmlformats.org/officeDocument/2006/customXml" ds:itemID="{2FC875C6-2222-466F-B33D-16026999EB3A}">
+  <ds:schemaRefs>
+    <ds:schemaRef ds:uri="http://purl.org/dc/dcmitype/"/>
+    <ds:schemaRef ds:uri="http://schemas.microsoft.com/office/2006/metadata/properties"/>
+    <ds:schemaRef ds:uri="http://schemas.microsoft.com/office/2006/documentManagement/types"/>
+    <ds:schemaRef ds:uri="8b12d126-63ce-4724-8c77-27b1e80585d4"/>
+    <ds:schemaRef ds:uri="http://schemas.microsoft.com/office/infopath/2007/PartnerControls"/>
+    <ds:schemaRef ds:uri="164a341b-6725-4b07-a6cd-9fe6e9ab5b42"/>
+    <ds:schemaRef ds:uri="http://schemas.openxmlformats.org/package/2006/metadata/core-properties"/>
+    <ds:schemaRef ds:uri="http://www.w3.org/XML/1998/namespace"/>
+    <ds:schemaRef ds:uri="http://purl.org/dc/terms/"/>
+    <ds:schemaRef ds:uri="http://purl.org/dc/elements/1.1/"/>
+  </ds:schemaRefs>
+</ds:datastoreItem>
 </file>
 
-<file path=customXml/item3.xml><?xml version="1.0" encoding="utf-8"?>
-<p:properties xmlns:p="http://schemas.microsoft.com/office/2006/metadata/properties" xmlns:xsi="http://www.w3.org/2001/XMLSchema-instance" xmlns:pc="http://schemas.microsoft.com/office/infopath/2007/PartnerControls">
-  <documentManagement>
-    <_activity xmlns="164a341b-6725-4b07-a6cd-9fe6e9ab5b42" xsi:nil="true"/>
-  </documentManagement>
-</p:properties>
+<file path=customXml/itemProps2.xml><?xml version="1.0" encoding="utf-8"?>
+<ds:datastoreItem xmlns:ds="http://schemas.openxmlformats.org/officeDocument/2006/customXml" ds:itemID="{E5AB4D09-E20E-465C-B664-11F30F862AF9}">
+  <ds:schemaRefs>
+    <ds:schemaRef ds:uri="http://schemas.microsoft.com/sharepoint/v3/contenttype/forms"/>
+  </ds:schemaRefs>
+</ds:datastoreItem>
 </file>
 
-<file path=customXml/itemProps1.xml><?xml version="1.0" encoding="utf-8"?>
+<file path=customXml/itemProps3.xml><?xml version="1.0" encoding="utf-8"?>
 <ds:datastoreItem xmlns:ds="http://schemas.openxmlformats.org/officeDocument/2006/customXml" ds:itemID="{55DFAFA0-C89C-4CC9-A94A-57A42FDA5651}">
   <ds:schemaRefs>
     <ds:schemaRef ds:uri="http://schemas.microsoft.com/office/2006/metadata/contentType"/>
@@ -4279,31 +4341,6 @@
 </ds:datastoreItem>
 </file>
 
-<file path=customXml/itemProps2.xml><?xml version="1.0" encoding="utf-8"?>
-<ds:datastoreItem xmlns:ds="http://schemas.openxmlformats.org/officeDocument/2006/customXml" ds:itemID="{E5AB4D09-E20E-465C-B664-11F30F862AF9}">
-  <ds:schemaRefs>
-    <ds:schemaRef ds:uri="http://schemas.microsoft.com/sharepoint/v3/contenttype/forms"/>
-  </ds:schemaRefs>
-</ds:datastoreItem>
-</file>
-
-<file path=customXml/itemProps3.xml><?xml version="1.0" encoding="utf-8"?>
-<ds:datastoreItem xmlns:ds="http://schemas.openxmlformats.org/officeDocument/2006/customXml" ds:itemID="{2FC875C6-2222-466F-B33D-16026999EB3A}">
-  <ds:schemaRefs>
-    <ds:schemaRef ds:uri="http://purl.org/dc/dcmitype/"/>
-    <ds:schemaRef ds:uri="http://schemas.microsoft.com/office/2006/metadata/properties"/>
-    <ds:schemaRef ds:uri="http://schemas.microsoft.com/office/2006/documentManagement/types"/>
-    <ds:schemaRef ds:uri="8b12d126-63ce-4724-8c77-27b1e80585d4"/>
-    <ds:schemaRef ds:uri="http://schemas.microsoft.com/office/infopath/2007/PartnerControls"/>
-    <ds:schemaRef ds:uri="164a341b-6725-4b07-a6cd-9fe6e9ab5b42"/>
-    <ds:schemaRef ds:uri="http://schemas.openxmlformats.org/package/2006/metadata/core-properties"/>
-    <ds:schemaRef ds:uri="http://www.w3.org/XML/1998/namespace"/>
-    <ds:schemaRef ds:uri="http://purl.org/dc/terms/"/>
-    <ds:schemaRef ds:uri="http://purl.org/dc/elements/1.1/"/>
-  </ds:schemaRefs>
-</ds:datastoreItem>
-</file>
-
 <file path=docMetadata/LabelInfo.xml><?xml version="1.0" encoding="utf-8"?>
 <clbl:labelList xmlns:clbl="http://schemas.microsoft.com/office/2020/mipLabelMetadata">
   <clbl:label id="{43083d15-7273-40c1-b7db-39efd9ccc17a}" enabled="0" method="" siteId="{43083d15-7273-40c1-b7db-39efd9ccc17a}" removed="1"/>
